--- a/개발현황/webOS공모전 개발현황 최현식 20210830.pptx
+++ b/개발현황/webOS공모전 개발현황 최현식 20210830.pptx
@@ -194,7 +194,7 @@
       </p14:sectionLst>
     </p:ext>
     <p:ext uri="{EFAFB233-063F-42B5-8137-9DF3F51BA10A}">
-      <p15:sldGuideLst xmlns:p15="http://schemas.microsoft.com/office/powerpoint/2012/main" xmlns=""/>
+      <p15:sldGuideLst xmlns="" xmlns:p15="http://schemas.microsoft.com/office/powerpoint/2012/main"/>
     </p:ext>
   </p:extLst>
 </p:presentation>
@@ -331,7 +331,7 @@
           <a:p>
             <a:fld id="{DDEC9453-0358-4B2E-A5E7-7F5A98A5D4D3}" type="datetimeFigureOut">
               <a:rPr lang="ko-KR" altLang="en-US" smtClean="0"/>
-              <a:t>2021-08-30</a:t>
+              <a:t>2021-08-31</a:t>
             </a:fld>
             <a:endParaRPr lang="ko-KR" altLang="en-US"/>
           </a:p>
@@ -501,7 +501,7 @@
           <a:p>
             <a:fld id="{DDEC9453-0358-4B2E-A5E7-7F5A98A5D4D3}" type="datetimeFigureOut">
               <a:rPr lang="ko-KR" altLang="en-US" smtClean="0"/>
-              <a:t>2021-08-30</a:t>
+              <a:t>2021-08-31</a:t>
             </a:fld>
             <a:endParaRPr lang="ko-KR" altLang="en-US"/>
           </a:p>
@@ -681,7 +681,7 @@
           <a:p>
             <a:fld id="{DDEC9453-0358-4B2E-A5E7-7F5A98A5D4D3}" type="datetimeFigureOut">
               <a:rPr lang="ko-KR" altLang="en-US" smtClean="0"/>
-              <a:t>2021-08-30</a:t>
+              <a:t>2021-08-31</a:t>
             </a:fld>
             <a:endParaRPr lang="ko-KR" altLang="en-US"/>
           </a:p>
@@ -851,7 +851,7 @@
           <a:p>
             <a:fld id="{DDEC9453-0358-4B2E-A5E7-7F5A98A5D4D3}" type="datetimeFigureOut">
               <a:rPr lang="ko-KR" altLang="en-US" smtClean="0"/>
-              <a:t>2021-08-30</a:t>
+              <a:t>2021-08-31</a:t>
             </a:fld>
             <a:endParaRPr lang="ko-KR" altLang="en-US"/>
           </a:p>
@@ -1097,7 +1097,7 @@
           <a:p>
             <a:fld id="{DDEC9453-0358-4B2E-A5E7-7F5A98A5D4D3}" type="datetimeFigureOut">
               <a:rPr lang="ko-KR" altLang="en-US" smtClean="0"/>
-              <a:t>2021-08-30</a:t>
+              <a:t>2021-08-31</a:t>
             </a:fld>
             <a:endParaRPr lang="ko-KR" altLang="en-US"/>
           </a:p>
@@ -1329,7 +1329,7 @@
           <a:p>
             <a:fld id="{DDEC9453-0358-4B2E-A5E7-7F5A98A5D4D3}" type="datetimeFigureOut">
               <a:rPr lang="ko-KR" altLang="en-US" smtClean="0"/>
-              <a:t>2021-08-30</a:t>
+              <a:t>2021-08-31</a:t>
             </a:fld>
             <a:endParaRPr lang="ko-KR" altLang="en-US"/>
           </a:p>
@@ -1696,7 +1696,7 @@
           <a:p>
             <a:fld id="{DDEC9453-0358-4B2E-A5E7-7F5A98A5D4D3}" type="datetimeFigureOut">
               <a:rPr lang="ko-KR" altLang="en-US" smtClean="0"/>
-              <a:t>2021-08-30</a:t>
+              <a:t>2021-08-31</a:t>
             </a:fld>
             <a:endParaRPr lang="ko-KR" altLang="en-US"/>
           </a:p>
@@ -1814,7 +1814,7 @@
           <a:p>
             <a:fld id="{DDEC9453-0358-4B2E-A5E7-7F5A98A5D4D3}" type="datetimeFigureOut">
               <a:rPr lang="ko-KR" altLang="en-US" smtClean="0"/>
-              <a:t>2021-08-30</a:t>
+              <a:t>2021-08-31</a:t>
             </a:fld>
             <a:endParaRPr lang="ko-KR" altLang="en-US"/>
           </a:p>
@@ -1909,7 +1909,7 @@
           <a:p>
             <a:fld id="{DDEC9453-0358-4B2E-A5E7-7F5A98A5D4D3}" type="datetimeFigureOut">
               <a:rPr lang="ko-KR" altLang="en-US" smtClean="0"/>
-              <a:t>2021-08-30</a:t>
+              <a:t>2021-08-31</a:t>
             </a:fld>
             <a:endParaRPr lang="ko-KR" altLang="en-US"/>
           </a:p>
@@ -2186,7 +2186,7 @@
           <a:p>
             <a:fld id="{DDEC9453-0358-4B2E-A5E7-7F5A98A5D4D3}" type="datetimeFigureOut">
               <a:rPr lang="ko-KR" altLang="en-US" smtClean="0"/>
-              <a:t>2021-08-30</a:t>
+              <a:t>2021-08-31</a:t>
             </a:fld>
             <a:endParaRPr lang="ko-KR" altLang="en-US"/>
           </a:p>
@@ -2439,7 +2439,7 @@
           <a:p>
             <a:fld id="{DDEC9453-0358-4B2E-A5E7-7F5A98A5D4D3}" type="datetimeFigureOut">
               <a:rPr lang="ko-KR" altLang="en-US" smtClean="0"/>
-              <a:t>2021-08-30</a:t>
+              <a:t>2021-08-31</a:t>
             </a:fld>
             <a:endParaRPr lang="ko-KR" altLang="en-US"/>
           </a:p>
@@ -2652,7 +2652,7 @@
           <a:p>
             <a:fld id="{DDEC9453-0358-4B2E-A5E7-7F5A98A5D4D3}" type="datetimeFigureOut">
               <a:rPr lang="ko-KR" altLang="en-US" smtClean="0"/>
-              <a:t>2021-08-30</a:t>
+              <a:t>2021-08-31</a:t>
             </a:fld>
             <a:endParaRPr lang="ko-KR" altLang="en-US"/>
           </a:p>
@@ -3235,8 +3235,12 @@
               </a:lnSpc>
             </a:pPr>
             <a:r>
+              <a:rPr lang="en-US" altLang="ko-KR" dirty="0" smtClean="0"/>
+              <a:t>Broker</a:t>
+            </a:r>
+            <a:r>
               <a:rPr lang="ko-KR" altLang="en-US" dirty="0" smtClean="0"/>
-              <a:t>소프트웨어 </a:t>
+              <a:t> </a:t>
             </a:r>
             <a:r>
               <a:rPr lang="en-US" altLang="ko-KR" dirty="0" smtClean="0"/>
@@ -3279,15 +3283,7 @@
             </a:r>
             <a:r>
               <a:rPr lang="en-US" altLang="ko-KR" sz="1000" dirty="0" smtClean="0"/>
-              <a:t>(</a:t>
-            </a:r>
-            <a:r>
-              <a:rPr lang="en-US" altLang="ko-KR" sz="1000" dirty="0" smtClean="0"/>
-              <a:t>Python)</a:t>
-            </a:r>
-            <a:r>
-              <a:rPr lang="en-US" altLang="ko-KR" sz="1000" dirty="0" smtClean="0"/>
-              <a:t>, </a:t>
+              <a:t>(Python), </a:t>
             </a:r>
             <a:r>
               <a:rPr lang="en-US" altLang="ko-KR" sz="1000" dirty="0" err="1" smtClean="0"/>
@@ -4774,11 +4770,7 @@
             </a:pPr>
             <a:r>
               <a:rPr lang="ko-KR" altLang="en-US" dirty="0" err="1" smtClean="0"/>
-              <a:t>아두이노</a:t>
-            </a:r>
-            <a:r>
-              <a:rPr lang="ko-KR" altLang="en-US" dirty="0" err="1" smtClean="0"/>
-              <a:t>측에서</a:t>
+              <a:t>아두이노측에서</a:t>
             </a:r>
             <a:r>
               <a:rPr lang="ko-KR" altLang="en-US" dirty="0" smtClean="0"/>
@@ -4821,7 +4813,19 @@
             </a:r>
             <a:r>
               <a:rPr lang="en-US" altLang="ko-KR" dirty="0" smtClean="0"/>
-              <a:t> level</a:t>
+              <a:t>(</a:t>
+            </a:r>
+            <a:r>
+              <a:rPr lang="ko-KR" altLang="en-US" dirty="0" smtClean="0"/>
+              <a:t>서비스품질</a:t>
+            </a:r>
+            <a:r>
+              <a:rPr lang="en-US" altLang="ko-KR" dirty="0" smtClean="0"/>
+              <a:t>) </a:t>
+            </a:r>
+            <a:r>
+              <a:rPr lang="en-US" altLang="ko-KR" dirty="0" smtClean="0"/>
+              <a:t>level</a:t>
             </a:r>
             <a:r>
               <a:rPr lang="ko-KR" altLang="en-US" dirty="0" smtClean="0"/>
@@ -5684,11 +5688,7 @@
             </a:r>
             <a:r>
               <a:rPr lang="en-US" altLang="ko-KR" dirty="0" smtClean="0"/>
-              <a:t> </a:t>
-            </a:r>
-            <a:r>
-              <a:rPr lang="en-US" altLang="ko-KR" dirty="0" smtClean="0"/>
-              <a:t>- </a:t>
+              <a:t> - </a:t>
             </a:r>
             <a:r>
               <a:rPr lang="en-US" altLang="ko-KR" dirty="0" err="1" smtClean="0"/>
@@ -8649,11 +8649,7 @@
             </a:r>
             <a:r>
               <a:rPr lang="en-US" altLang="ko-KR" dirty="0" smtClean="0"/>
-              <a:t>(90</a:t>
-            </a:r>
-            <a:r>
-              <a:rPr lang="en-US" altLang="ko-KR" dirty="0" smtClean="0"/>
-              <a:t>%)</a:t>
+              <a:t>(90%)</a:t>
             </a:r>
           </a:p>
           <a:p>
@@ -9096,15 +9092,7 @@
                   <a:srgbClr val="0070C0"/>
                 </a:solidFill>
               </a:rPr>
-              <a:t>를 통해 얻은 </a:t>
-            </a:r>
-            <a:r>
-              <a:rPr lang="ko-KR" altLang="en-US" sz="1400" dirty="0" smtClean="0">
-                <a:solidFill>
-                  <a:srgbClr val="0070C0"/>
-                </a:solidFill>
-              </a:rPr>
-              <a:t>외부 날씨 정보</a:t>
+              <a:t>를 통해 얻은 외부 날씨 정보</a:t>
             </a:r>
             <a:endParaRPr lang="ko-KR" altLang="en-US" sz="1400" dirty="0">
               <a:solidFill>
@@ -9252,6 +9240,41 @@
           </a:extLst>
         </p:spPr>
       </p:pic>
+      <p:sp>
+        <p:nvSpPr>
+          <p:cNvPr id="4" name="내용 개체 틀 2"/>
+          <p:cNvSpPr>
+            <a:spLocks noGrp="1"/>
+          </p:cNvSpPr>
+          <p:nvPr>
+            <p:ph idx="1"/>
+          </p:nvPr>
+        </p:nvSpPr>
+        <p:spPr>
+          <a:xfrm>
+            <a:off x="838200" y="1825625"/>
+            <a:ext cx="10515600" cy="4351338"/>
+          </a:xfrm>
+        </p:spPr>
+        <p:txBody>
+          <a:bodyPr>
+            <a:normAutofit/>
+          </a:bodyPr>
+          <a:lstStyle/>
+          <a:p>
+            <a:pPr>
+              <a:lnSpc>
+                <a:spcPct val="150000"/>
+              </a:lnSpc>
+            </a:pPr>
+            <a:r>
+              <a:rPr lang="en-US" altLang="ko-KR" dirty="0"/>
+              <a:t>1</a:t>
+            </a:r>
+            <a:endParaRPr lang="en-US" altLang="ko-KR" dirty="0" smtClean="0"/>
+          </a:p>
+        </p:txBody>
+      </p:sp>
     </p:spTree>
     <p:extLst>
       <p:ext uri="{BB962C8B-B14F-4D97-AF65-F5344CB8AC3E}">
@@ -9348,11 +9371,7 @@
             </a:r>
             <a:r>
               <a:rPr lang="en-US" altLang="ko-KR" dirty="0" smtClean="0"/>
-              <a:t>3 B</a:t>
-            </a:r>
-            <a:r>
-              <a:rPr lang="en-US" altLang="ko-KR" dirty="0" smtClean="0"/>
-              <a:t>+</a:t>
+              <a:t>3 B+</a:t>
             </a:r>
             <a:r>
               <a:rPr lang="ko-KR" altLang="en-US" dirty="0" smtClean="0"/>
@@ -9370,7 +9389,6 @@
               <a:rPr lang="en-US" altLang="ko-KR" dirty="0" smtClean="0"/>
               <a:t>)</a:t>
             </a:r>
-            <a:endParaRPr lang="en-US" altLang="ko-KR" dirty="0" smtClean="0"/>
           </a:p>
           <a:p>
             <a:pPr>
@@ -9496,11 +9514,7 @@
             </a:r>
             <a:r>
               <a:rPr lang="ko-KR" altLang="en-US" dirty="0" smtClean="0"/>
-              <a:t>에 </a:t>
-            </a:r>
-            <a:r>
-              <a:rPr lang="ko-KR" altLang="en-US" dirty="0" smtClean="0"/>
-              <a:t>자동으로 </a:t>
+              <a:t>에 자동으로 </a:t>
             </a:r>
             <a:r>
               <a:rPr lang="en-US" altLang="ko-KR" dirty="0" smtClean="0"/>
@@ -9516,15 +9530,7 @@
             </a:r>
             <a:r>
               <a:rPr lang="ko-KR" altLang="en-US" dirty="0" smtClean="0"/>
-              <a:t>얼굴인식률 </a:t>
-            </a:r>
-            <a:r>
-              <a:rPr lang="ko-KR" altLang="en-US" dirty="0" smtClean="0"/>
-              <a:t>개선을 </a:t>
-            </a:r>
-            <a:r>
-              <a:rPr lang="ko-KR" altLang="en-US" dirty="0" smtClean="0"/>
-              <a:t>위한 밝기조절</a:t>
+              <a:t>얼굴인식률 개선을 위한 밝기조절</a:t>
             </a:r>
             <a:r>
               <a:rPr lang="en-US" altLang="ko-KR" dirty="0" smtClean="0"/>
@@ -10994,11 +11000,7 @@
             </a:r>
             <a:r>
               <a:rPr lang="ko-KR" altLang="en-US" dirty="0" smtClean="0"/>
-              <a:t> </a:t>
-            </a:r>
-            <a:r>
-              <a:rPr lang="ko-KR" altLang="en-US" dirty="0" smtClean="0"/>
-              <a:t>자동으로 </a:t>
+              <a:t> 자동으로 </a:t>
             </a:r>
             <a:r>
               <a:rPr lang="en-US" altLang="ko-KR" dirty="0" smtClean="0"/>
@@ -11093,7 +11095,7 @@
         <p:spPr/>
         <p:txBody>
           <a:bodyPr>
-            <a:normAutofit lnSpcReduction="10000"/>
+            <a:normAutofit/>
           </a:bodyPr>
           <a:lstStyle/>
           <a:p>
@@ -11103,32 +11105,20 @@
               </a:lnSpc>
             </a:pPr>
             <a:r>
-              <a:rPr lang="ko-KR" altLang="en-US" dirty="0" err="1" smtClean="0"/>
-              <a:t>라즈베리파이</a:t>
-            </a:r>
-            <a:r>
-              <a:rPr lang="en-US" altLang="ko-KR" dirty="0" smtClean="0"/>
-              <a:t>3 B</a:t>
-            </a:r>
-            <a:r>
-              <a:rPr lang="en-US" altLang="ko-KR" dirty="0" smtClean="0"/>
-              <a:t>+</a:t>
+              <a:rPr lang="en-US" altLang="ko-KR" dirty="0" err="1" smtClean="0"/>
+              <a:t>openCV</a:t>
             </a:r>
             <a:r>
               <a:rPr lang="ko-KR" altLang="en-US" dirty="0" smtClean="0"/>
-              <a:t> </a:t>
-            </a:r>
-            <a:r>
-              <a:rPr lang="en-US" altLang="ko-KR" dirty="0" smtClean="0"/>
-              <a:t>(</a:t>
-            </a:r>
-            <a:r>
-              <a:rPr lang="ko-KR" altLang="en-US" dirty="0" err="1" smtClean="0"/>
-              <a:t>라즈비안</a:t>
-            </a:r>
-            <a:r>
-              <a:rPr lang="en-US" altLang="ko-KR" dirty="0" smtClean="0"/>
-              <a:t>)</a:t>
+              <a:t>와 </a:t>
+            </a:r>
+            <a:r>
+              <a:rPr lang="en-US" altLang="ko-KR" dirty="0" err="1" smtClean="0"/>
+              <a:t>Tensorflow</a:t>
+            </a:r>
+            <a:r>
+              <a:rPr lang="ko-KR" altLang="en-US" dirty="0" smtClean="0"/>
+              <a:t>를 이용하여 얼굴인식 진행</a:t>
             </a:r>
             <a:endParaRPr lang="en-US" altLang="ko-KR" dirty="0" smtClean="0"/>
           </a:p>
@@ -11139,30 +11129,26 @@
               </a:lnSpc>
             </a:pPr>
             <a:r>
+              <a:rPr lang="en-US" altLang="ko-KR" dirty="0" smtClean="0"/>
+              <a:t>UV4L</a:t>
+            </a:r>
+            <a:r>
+              <a:rPr lang="ko-KR" altLang="en-US" dirty="0" smtClean="0"/>
+              <a:t>을 </a:t>
+            </a:r>
+            <a:r>
+              <a:rPr lang="ko-KR" altLang="en-US" dirty="0" smtClean="0"/>
+              <a:t>통해 </a:t>
+            </a:r>
+            <a:r>
               <a:rPr lang="ko-KR" altLang="en-US" dirty="0" err="1" smtClean="0"/>
-              <a:t>웹캠</a:t>
+              <a:t>스트리밍</a:t>
             </a:r>
             <a:r>
               <a:rPr lang="ko-KR" altLang="en-US" dirty="0" smtClean="0"/>
-              <a:t> </a:t>
-            </a:r>
-            <a:r>
-              <a:rPr lang="en-US" altLang="ko-KR" dirty="0" smtClean="0"/>
-              <a:t>(</a:t>
-            </a:r>
-            <a:r>
-              <a:rPr lang="ko-KR" altLang="en-US" dirty="0" err="1" smtClean="0"/>
-              <a:t>로지텍</a:t>
-            </a:r>
-            <a:r>
-              <a:rPr lang="ko-KR" altLang="en-US" dirty="0" smtClean="0"/>
-              <a:t> </a:t>
-            </a:r>
-            <a:r>
-              <a:rPr lang="en-US" altLang="ko-KR" dirty="0" smtClean="0"/>
-              <a:t>C310)</a:t>
-            </a:r>
-            <a:endParaRPr lang="en-US" altLang="ko-KR" dirty="0"/>
+              <a:t> 되는 영상을 불러와서 이용</a:t>
+            </a:r>
+            <a:endParaRPr lang="en-US" altLang="ko-KR" dirty="0" smtClean="0"/>
           </a:p>
           <a:p>
             <a:pPr>
@@ -11172,103 +11158,27 @@
             </a:pPr>
             <a:r>
               <a:rPr lang="en-US" altLang="ko-KR" dirty="0" smtClean="0"/>
-              <a:t>UV4L</a:t>
+              <a:t>VPN </a:t>
             </a:r>
             <a:r>
               <a:rPr lang="ko-KR" altLang="en-US" dirty="0" smtClean="0"/>
-              <a:t>을 이용하여 영상을 웹으로 </a:t>
+              <a:t>구성을 </a:t>
+            </a:r>
+            <a:r>
+              <a:rPr lang="ko-KR" altLang="en-US" dirty="0" smtClean="0"/>
+              <a:t>통해 </a:t>
+            </a:r>
+            <a:r>
+              <a:rPr lang="en-US" altLang="ko-KR" dirty="0" smtClean="0"/>
+              <a:t>UV4L </a:t>
             </a:r>
             <a:r>
               <a:rPr lang="ko-KR" altLang="en-US" dirty="0" err="1" smtClean="0"/>
               <a:t>스트리밍</a:t>
             </a:r>
             <a:r>
-              <a:rPr lang="en-US" altLang="ko-KR" dirty="0" smtClean="0"/>
-              <a:t>.</a:t>
-            </a:r>
-            <a:endParaRPr lang="en-US" altLang="ko-KR" dirty="0" smtClean="0"/>
-          </a:p>
-          <a:p>
-            <a:pPr>
-              <a:lnSpc>
-                <a:spcPct val="150000"/>
-              </a:lnSpc>
-            </a:pPr>
-            <a:r>
               <a:rPr lang="ko-KR" altLang="en-US" dirty="0" smtClean="0"/>
-              <a:t>외부에서 접근하기 위해 </a:t>
-            </a:r>
-            <a:r>
-              <a:rPr lang="en-US" altLang="ko-KR" dirty="0" smtClean="0"/>
-              <a:t>VPN </a:t>
-            </a:r>
-            <a:r>
-              <a:rPr lang="ko-KR" altLang="en-US" dirty="0" smtClean="0"/>
-              <a:t>구성을 </a:t>
-            </a:r>
-            <a:r>
-              <a:rPr lang="ko-KR" altLang="en-US" dirty="0" smtClean="0"/>
-              <a:t>이용</a:t>
-            </a:r>
-            <a:r>
-              <a:rPr lang="en-US" altLang="ko-KR" dirty="0" smtClean="0"/>
-              <a:t>.</a:t>
-            </a:r>
-            <a:endParaRPr lang="en-US" altLang="ko-KR" dirty="0" smtClean="0"/>
-          </a:p>
-          <a:p>
-            <a:pPr>
-              <a:lnSpc>
-                <a:spcPct val="150000"/>
-              </a:lnSpc>
-            </a:pPr>
-            <a:r>
-              <a:rPr lang="ko-KR" altLang="en-US" dirty="0" err="1" smtClean="0"/>
-              <a:t>조도센서와</a:t>
-            </a:r>
-            <a:r>
-              <a:rPr lang="ko-KR" altLang="en-US" dirty="0" smtClean="0"/>
-              <a:t> </a:t>
-            </a:r>
-            <a:r>
-              <a:rPr lang="en-US" altLang="ko-KR" dirty="0" smtClean="0"/>
-              <a:t>LED </a:t>
-            </a:r>
-            <a:r>
-              <a:rPr lang="ko-KR" altLang="en-US" dirty="0" smtClean="0"/>
-              <a:t>라이트를 사용하여 사용자 환경</a:t>
-            </a:r>
-            <a:r>
-              <a:rPr lang="en-US" altLang="ko-KR" dirty="0" smtClean="0"/>
-              <a:t>(</a:t>
-            </a:r>
-            <a:r>
-              <a:rPr lang="ko-KR" altLang="en-US" dirty="0" smtClean="0"/>
-              <a:t>어두운 밤</a:t>
-            </a:r>
-            <a:r>
-              <a:rPr lang="en-US" altLang="ko-KR" dirty="0" smtClean="0"/>
-              <a:t>)</a:t>
-            </a:r>
-            <a:r>
-              <a:rPr lang="ko-KR" altLang="en-US" dirty="0" smtClean="0"/>
-              <a:t>에 따른 자동 밝기 조절 필요 </a:t>
-            </a:r>
-            <a:r>
-              <a:rPr lang="en-US" altLang="ko-KR" dirty="0" smtClean="0"/>
-              <a:t>(GPIO,ADC)(</a:t>
-            </a:r>
-            <a:r>
-              <a:rPr lang="ko-KR" altLang="en-US" dirty="0" err="1" smtClean="0"/>
-              <a:t>얼굴인식률</a:t>
-            </a:r>
-            <a:r>
-              <a:rPr lang="ko-KR" altLang="en-US" dirty="0" smtClean="0"/>
-              <a:t> 개선을 위함</a:t>
-            </a:r>
-            <a:r>
-              <a:rPr lang="en-US" altLang="ko-KR" dirty="0" smtClean="0"/>
-              <a:t>.)</a:t>
+              <a:t> 기기로 직접 연결</a:t>
             </a:r>
             <a:endParaRPr lang="ko-KR" altLang="en-US" dirty="0"/>
           </a:p>
@@ -11504,7 +11414,11 @@
             </a:pPr>
             <a:r>
               <a:rPr lang="ko-KR" altLang="en-US" dirty="0" smtClean="0"/>
-              <a:t>특정 사용자가 </a:t>
+              <a:t>특정 </a:t>
+            </a:r>
+            <a:r>
+              <a:rPr lang="ko-KR" altLang="en-US" dirty="0" smtClean="0"/>
+              <a:t>사용자가 </a:t>
             </a:r>
             <a:r>
               <a:rPr lang="en-US" altLang="ko-KR" dirty="0" smtClean="0"/>
@@ -12067,11 +11981,7 @@
             </a:r>
             <a:r>
               <a:rPr lang="ko-KR" altLang="en-US" dirty="0" err="1" smtClean="0"/>
-              <a:t>파이어베이</a:t>
-            </a:r>
-            <a:r>
-              <a:rPr lang="ko-KR" altLang="en-US" dirty="0" err="1" smtClean="0"/>
-              <a:t>스</a:t>
+              <a:t>파이어베이스</a:t>
             </a:r>
             <a:endParaRPr lang="ko-KR" altLang="en-US" dirty="0"/>
           </a:p>
@@ -12551,11 +12461,7 @@
             </a:r>
             <a:r>
               <a:rPr lang="ko-KR" altLang="en-US" dirty="0" smtClean="0"/>
-              <a:t> 직접</a:t>
-            </a:r>
-            <a:r>
-              <a:rPr lang="ko-KR" altLang="en-US" dirty="0" smtClean="0"/>
-              <a:t>연결을 위함</a:t>
+              <a:t> 직접연결을 위함</a:t>
             </a:r>
             <a:r>
               <a:rPr lang="en-US" altLang="ko-KR" dirty="0" smtClean="0"/>
@@ -12826,11 +12732,7 @@
             </a:r>
             <a:r>
               <a:rPr lang="ko-KR" altLang="en-US" dirty="0" smtClean="0"/>
-              <a:t> 안전한 직접</a:t>
-            </a:r>
-            <a:r>
-              <a:rPr lang="ko-KR" altLang="en-US" dirty="0" smtClean="0"/>
-              <a:t>연결을 위하여 </a:t>
+              <a:t> 안전한 직접연결을 위하여 </a:t>
             </a:r>
             <a:r>
               <a:rPr lang="en-US" altLang="ko-KR" dirty="0" smtClean="0"/>
@@ -12893,11 +12795,7 @@
             </a:pPr>
             <a:r>
               <a:rPr lang="en-US" altLang="ko-KR" dirty="0" smtClean="0"/>
-              <a:t>10.8.0.1 : </a:t>
-            </a:r>
-            <a:r>
-              <a:rPr lang="en-US" altLang="ko-KR" dirty="0" smtClean="0"/>
-              <a:t>Server</a:t>
+              <a:t>10.8.0.1 : Server</a:t>
             </a:r>
           </a:p>
           <a:p>
@@ -13864,99 +13762,10 @@
               </a:lnSpc>
             </a:pPr>
             <a:r>
-              <a:rPr lang="ko-KR" altLang="en-US" dirty="0" smtClean="0"/>
-              <a:t>얼굴인식용 </a:t>
-            </a:r>
-            <a:r>
-              <a:rPr lang="ko-KR" altLang="en-US" dirty="0" err="1" smtClean="0"/>
-              <a:t>카메라측과</a:t>
-            </a:r>
-            <a:r>
-              <a:rPr lang="ko-KR" altLang="en-US" dirty="0" smtClean="0"/>
-              <a:t> 안전한 직접</a:t>
-            </a:r>
-            <a:r>
-              <a:rPr lang="ko-KR" altLang="en-US" dirty="0" smtClean="0"/>
-              <a:t>연결을 위하여 </a:t>
-            </a:r>
-            <a:r>
               <a:rPr lang="en-US" altLang="ko-KR" dirty="0" smtClean="0"/>
-              <a:t>VPN </a:t>
-            </a:r>
-            <a:r>
-              <a:rPr lang="ko-KR" altLang="en-US" dirty="0" smtClean="0"/>
-              <a:t>구성</a:t>
+              <a:t>1</a:t>
             </a:r>
             <a:endParaRPr lang="en-US" altLang="ko-KR" dirty="0" smtClean="0"/>
-          </a:p>
-          <a:p>
-            <a:pPr>
-              <a:lnSpc>
-                <a:spcPct val="150000"/>
-              </a:lnSpc>
-            </a:pPr>
-            <a:r>
-              <a:rPr lang="en-US" altLang="ko-KR" dirty="0" smtClean="0"/>
-              <a:t>10.8.0.n </a:t>
-            </a:r>
-            <a:r>
-              <a:rPr lang="ko-KR" altLang="en-US" dirty="0" smtClean="0"/>
-              <a:t>대역에 각 </a:t>
-            </a:r>
-            <a:r>
-              <a:rPr lang="ko-KR" altLang="en-US" dirty="0" err="1" smtClean="0"/>
-              <a:t>기기별</a:t>
-            </a:r>
-            <a:r>
-              <a:rPr lang="ko-KR" altLang="en-US" dirty="0" smtClean="0"/>
-              <a:t> 고정된 </a:t>
-            </a:r>
-            <a:r>
-              <a:rPr lang="en-US" altLang="ko-KR" dirty="0" smtClean="0"/>
-              <a:t>IP</a:t>
-            </a:r>
-            <a:r>
-              <a:rPr lang="ko-KR" altLang="en-US" dirty="0" smtClean="0"/>
-              <a:t>를 부여 </a:t>
-            </a:r>
-            <a:r>
-              <a:rPr lang="en-US" altLang="ko-KR" dirty="0" smtClean="0"/>
-              <a:t>(</a:t>
-            </a:r>
-            <a:r>
-              <a:rPr lang="ko-KR" altLang="en-US" dirty="0" smtClean="0"/>
-              <a:t>인증서 기준</a:t>
-            </a:r>
-            <a:r>
-              <a:rPr lang="en-US" altLang="ko-KR" dirty="0" smtClean="0"/>
-              <a:t>)</a:t>
-            </a:r>
-          </a:p>
-          <a:p>
-            <a:pPr lvl="1">
-              <a:lnSpc>
-                <a:spcPct val="150000"/>
-              </a:lnSpc>
-            </a:pPr>
-            <a:r>
-              <a:rPr lang="en-US" altLang="ko-KR" dirty="0" smtClean="0"/>
-              <a:t>10.8.0.1 : </a:t>
-            </a:r>
-            <a:r>
-              <a:rPr lang="en-US" altLang="ko-KR" dirty="0" smtClean="0"/>
-              <a:t>Server</a:t>
-            </a:r>
-          </a:p>
-          <a:p>
-            <a:pPr lvl="1">
-              <a:lnSpc>
-                <a:spcPct val="150000"/>
-              </a:lnSpc>
-            </a:pPr>
-            <a:r>
-              <a:rPr lang="en-US" altLang="ko-KR" dirty="0" smtClean="0"/>
-              <a:t>10.8.0.2 : Camera Device</a:t>
-            </a:r>
           </a:p>
         </p:txBody>
       </p:sp>
@@ -13999,209 +13808,6 @@
           </a:extLst>
         </p:spPr>
       </p:pic>
-      <p:pic>
-        <p:nvPicPr>
-          <p:cNvPr id="20482" name="Picture 2"/>
-          <p:cNvPicPr>
-            <a:picLocks noChangeAspect="1" noChangeArrowheads="1"/>
-          </p:cNvPicPr>
-          <p:nvPr/>
-        </p:nvPicPr>
-        <p:blipFill>
-          <a:blip r:embed="rId3" cstate="print">
-            <a:extLst>
-              <a:ext uri="{28A0092B-C50C-407E-A947-70E740481C1C}">
-                <a14:useLocalDpi xmlns:a14="http://schemas.microsoft.com/office/drawing/2010/main" val="0"/>
-              </a:ext>
-            </a:extLst>
-          </a:blip>
-          <a:srcRect/>
-          <a:stretch>
-            <a:fillRect/>
-          </a:stretch>
-        </p:blipFill>
-        <p:spPr bwMode="auto">
-          <a:xfrm>
-            <a:off x="7278500" y="3722740"/>
-            <a:ext cx="4075199" cy="2749384"/>
-          </a:xfrm>
-          <a:prstGeom prst="rect">
-            <a:avLst/>
-          </a:prstGeom>
-          <a:noFill/>
-          <a:ln>
-            <a:noFill/>
-          </a:ln>
-          <a:effectLst/>
-          <a:extLst>
-            <a:ext uri="{909E8E84-426E-40DD-AFC4-6F175D3DCCD1}">
-              <a14:hiddenFill xmlns:a14="http://schemas.microsoft.com/office/drawing/2010/main">
-                <a:solidFill>
-                  <a:schemeClr val="accent1"/>
-                </a:solidFill>
-              </a14:hiddenFill>
-            </a:ext>
-            <a:ext uri="{91240B29-F687-4F45-9708-019B960494DF}">
-              <a14:hiddenLine xmlns:a14="http://schemas.microsoft.com/office/drawing/2010/main" w="9525">
-                <a:solidFill>
-                  <a:schemeClr val="tx1"/>
-                </a:solidFill>
-                <a:miter lim="800000"/>
-                <a:headEnd/>
-                <a:tailEnd/>
-              </a14:hiddenLine>
-            </a:ext>
-            <a:ext uri="{AF507438-7753-43E0-B8FC-AC1667EBCBE1}">
-              <a14:hiddenEffects xmlns:a14="http://schemas.microsoft.com/office/drawing/2010/main">
-                <a:effectLst>
-                  <a:outerShdw dist="35921" dir="2700000" algn="ctr" rotWithShape="0">
-                    <a:schemeClr val="bg2"/>
-                  </a:outerShdw>
-                </a:effectLst>
-              </a14:hiddenEffects>
-            </a:ext>
-          </a:extLst>
-        </p:spPr>
-      </p:pic>
-      <p:pic>
-        <p:nvPicPr>
-          <p:cNvPr id="6" name="Picture 2"/>
-          <p:cNvPicPr>
-            <a:picLocks noChangeAspect="1" noChangeArrowheads="1"/>
-          </p:cNvPicPr>
-          <p:nvPr/>
-        </p:nvPicPr>
-        <p:blipFill rotWithShape="1">
-          <a:blip r:embed="rId3" cstate="print">
-            <a:extLst>
-              <a:ext uri="{28A0092B-C50C-407E-A947-70E740481C1C}">
-                <a14:useLocalDpi xmlns:a14="http://schemas.microsoft.com/office/drawing/2010/main" val="0"/>
-              </a:ext>
-            </a:extLst>
-          </a:blip>
-          <a:srcRect l="2694" t="83036" r="50012" b="8482"/>
-          <a:stretch/>
-        </p:blipFill>
-        <p:spPr bwMode="auto">
-          <a:xfrm>
-            <a:off x="2572383" y="5873750"/>
-            <a:ext cx="3867318" cy="467933"/>
-          </a:xfrm>
-          <a:prstGeom prst="rect">
-            <a:avLst/>
-          </a:prstGeom>
-          <a:noFill/>
-          <a:ln w="38100">
-            <a:solidFill>
-              <a:srgbClr val="FF0000"/>
-            </a:solidFill>
-            <a:miter lim="800000"/>
-            <a:headEnd/>
-            <a:tailEnd/>
-          </a:ln>
-          <a:effectLst/>
-          <a:extLst>
-            <a:ext uri="{909E8E84-426E-40DD-AFC4-6F175D3DCCD1}">
-              <a14:hiddenFill xmlns:a14="http://schemas.microsoft.com/office/drawing/2010/main">
-                <a:solidFill>
-                  <a:schemeClr val="accent1"/>
-                </a:solidFill>
-              </a14:hiddenFill>
-            </a:ext>
-            <a:ext uri="{AF507438-7753-43E0-B8FC-AC1667EBCBE1}">
-              <a14:hiddenEffects xmlns:a14="http://schemas.microsoft.com/office/drawing/2010/main">
-                <a:effectLst>
-                  <a:outerShdw dist="35921" dir="2700000" algn="ctr" rotWithShape="0">
-                    <a:schemeClr val="bg2"/>
-                  </a:outerShdw>
-                </a:effectLst>
-              </a14:hiddenEffects>
-            </a:ext>
-          </a:extLst>
-        </p:spPr>
-      </p:pic>
-      <p:sp>
-        <p:nvSpPr>
-          <p:cNvPr id="5" name="직사각형 4"/>
-          <p:cNvSpPr/>
-          <p:nvPr/>
-        </p:nvSpPr>
-        <p:spPr>
-          <a:xfrm>
-            <a:off x="7366800" y="5946109"/>
-            <a:ext cx="1993900" cy="321341"/>
-          </a:xfrm>
-          <a:prstGeom prst="rect">
-            <a:avLst/>
-          </a:prstGeom>
-          <a:noFill/>
-          <a:ln>
-            <a:solidFill>
-              <a:srgbClr val="FF0000"/>
-            </a:solidFill>
-          </a:ln>
-        </p:spPr>
-        <p:style>
-          <a:lnRef idx="2">
-            <a:schemeClr val="accent1">
-              <a:shade val="50000"/>
-            </a:schemeClr>
-          </a:lnRef>
-          <a:fillRef idx="1">
-            <a:schemeClr val="accent1"/>
-          </a:fillRef>
-          <a:effectRef idx="0">
-            <a:schemeClr val="accent1"/>
-          </a:effectRef>
-          <a:fontRef idx="minor">
-            <a:schemeClr val="lt1"/>
-          </a:fontRef>
-        </p:style>
-        <p:txBody>
-          <a:bodyPr rtlCol="0" anchor="ctr"/>
-          <a:lstStyle/>
-          <a:p>
-            <a:pPr algn="ctr"/>
-            <a:endParaRPr lang="ko-KR" altLang="en-US"/>
-          </a:p>
-        </p:txBody>
-      </p:sp>
-      <p:cxnSp>
-        <p:nvCxnSpPr>
-          <p:cNvPr id="8" name="직선 화살표 연결선 7"/>
-          <p:cNvCxnSpPr/>
-          <p:nvPr/>
-        </p:nvCxnSpPr>
-        <p:spPr>
-          <a:xfrm flipH="1">
-            <a:off x="6585750" y="6125829"/>
-            <a:ext cx="724500" cy="0"/>
-          </a:xfrm>
-          <a:prstGeom prst="straightConnector1">
-            <a:avLst/>
-          </a:prstGeom>
-          <a:ln w="38100">
-            <a:solidFill>
-              <a:srgbClr val="FF0000"/>
-            </a:solidFill>
-            <a:tailEnd type="arrow"/>
-          </a:ln>
-        </p:spPr>
-        <p:style>
-          <a:lnRef idx="1">
-            <a:schemeClr val="accent1"/>
-          </a:lnRef>
-          <a:fillRef idx="0">
-            <a:schemeClr val="accent1"/>
-          </a:fillRef>
-          <a:effectRef idx="0">
-            <a:schemeClr val="accent1"/>
-          </a:effectRef>
-          <a:fontRef idx="minor">
-            <a:schemeClr val="tx1"/>
-          </a:fontRef>
-        </p:style>
-      </p:cxnSp>
     </p:spTree>
     <p:extLst>
       <p:ext uri="{BB962C8B-B14F-4D97-AF65-F5344CB8AC3E}">
@@ -14643,7 +14249,7 @@
   <a:extraClrSchemeLst/>
   <a:extLst>
     <a:ext uri="{05A4C25C-085E-4340-85A3-A5531E510DB2}">
-      <thm15:themeFamily xmlns:thm15="http://schemas.microsoft.com/office/thememl/2012/main" xmlns="" name="Office Theme" id="{62F939B6-93AF-4DB8-9C6B-D6C7DFDC589F}" vid="{4A3C46E8-61CC-4603-A589-7422A47A8E4A}"/>
+      <thm15:themeFamily xmlns="" xmlns:thm15="http://schemas.microsoft.com/office/thememl/2012/main" name="Office Theme" id="{62F939B6-93AF-4DB8-9C6B-D6C7DFDC589F}" vid="{4A3C46E8-61CC-4603-A589-7422A47A8E4A}"/>
     </a:ext>
   </a:extLst>
 </a:theme>
